--- a/ppt 16-9/0279.新天新地.pptx
+++ b/ppt 16-9/0279.新天新地.pptx
@@ -129,7 +129,7 @@
           <p:cNvPr id="2" name="标题 1">
             <a:extLst>
               <a:ext uri="{FF2B5EF4-FFF2-40B4-BE49-F238E27FC236}">
-                <a16:creationId xmlns:a16="http://schemas.microsoft.com/office/drawing/2014/main" id="{84B5ACAF-03F1-2641-1C1C-0B7650C74482}"/>
+                <a16:creationId xmlns:a16="http://schemas.microsoft.com/office/drawing/2014/main" id="{75A10010-D918-BB96-54B5-0737C73F9A1C}"/>
               </a:ext>
             </a:extLst>
           </p:cNvPr>
@@ -166,7 +166,7 @@
           <p:cNvPr id="3" name="副标题 2">
             <a:extLst>
               <a:ext uri="{FF2B5EF4-FFF2-40B4-BE49-F238E27FC236}">
-                <a16:creationId xmlns:a16="http://schemas.microsoft.com/office/drawing/2014/main" id="{E2D785D0-AA4C-10CF-8FFF-4B36E3612C8E}"/>
+                <a16:creationId xmlns:a16="http://schemas.microsoft.com/office/drawing/2014/main" id="{E2EB5A75-591A-09A6-26EC-0E3726E15646}"/>
               </a:ext>
             </a:extLst>
           </p:cNvPr>
@@ -236,7 +236,7 @@
           <p:cNvPr id="4" name="日期占位符 3">
             <a:extLst>
               <a:ext uri="{FF2B5EF4-FFF2-40B4-BE49-F238E27FC236}">
-                <a16:creationId xmlns:a16="http://schemas.microsoft.com/office/drawing/2014/main" id="{C9F55AF5-8714-D394-CF73-337C355EF3A4}"/>
+                <a16:creationId xmlns:a16="http://schemas.microsoft.com/office/drawing/2014/main" id="{3AE8E06D-E4CA-464E-09D6-23B146619FC8}"/>
               </a:ext>
             </a:extLst>
           </p:cNvPr>
@@ -252,7 +252,7 @@
           <a:bodyPr/>
           <a:lstStyle/>
           <a:p>
-            <a:fld id="{734A9F9E-F411-4D84-9B20-FBE84E16C011}" type="datetimeFigureOut">
+            <a:fld id="{9E5074AC-46EB-4DD8-895A-9E3957843033}" type="datetimeFigureOut">
               <a:rPr lang="zh-CN" altLang="en-US" smtClean="0"/>
               <a:t>2024/3/10</a:t>
             </a:fld>
@@ -265,7 +265,7 @@
           <p:cNvPr id="5" name="页脚占位符 4">
             <a:extLst>
               <a:ext uri="{FF2B5EF4-FFF2-40B4-BE49-F238E27FC236}">
-                <a16:creationId xmlns:a16="http://schemas.microsoft.com/office/drawing/2014/main" id="{6EAC5595-ADE1-8001-0D8D-D66BFE918AC0}"/>
+                <a16:creationId xmlns:a16="http://schemas.microsoft.com/office/drawing/2014/main" id="{7218499F-69D0-2134-C92F-D57E87152605}"/>
               </a:ext>
             </a:extLst>
           </p:cNvPr>
@@ -290,7 +290,7 @@
           <p:cNvPr id="6" name="灯片编号占位符 5">
             <a:extLst>
               <a:ext uri="{FF2B5EF4-FFF2-40B4-BE49-F238E27FC236}">
-                <a16:creationId xmlns:a16="http://schemas.microsoft.com/office/drawing/2014/main" id="{363EBAA8-3595-579A-0139-7871DA89356A}"/>
+                <a16:creationId xmlns:a16="http://schemas.microsoft.com/office/drawing/2014/main" id="{7F5BBCE5-3973-037C-C25E-3D234F349428}"/>
               </a:ext>
             </a:extLst>
           </p:cNvPr>
@@ -306,7 +306,7 @@
           <a:bodyPr/>
           <a:lstStyle/>
           <a:p>
-            <a:fld id="{19677BD0-D6DC-4164-B6E5-ED5995BAEDE8}" type="slidenum">
+            <a:fld id="{E3F84034-E6DA-40E9-AEE0-C78DE46A6C12}" type="slidenum">
               <a:rPr lang="zh-CN" altLang="en-US" smtClean="0"/>
               <a:t>‹#›</a:t>
             </a:fld>
@@ -317,7 +317,7 @@
     </p:spTree>
     <p:extLst>
       <p:ext uri="{BB962C8B-B14F-4D97-AF65-F5344CB8AC3E}">
-        <p14:creationId xmlns:p14="http://schemas.microsoft.com/office/powerpoint/2010/main" val="1836552785"/>
+        <p14:creationId xmlns:p14="http://schemas.microsoft.com/office/powerpoint/2010/main" val="2348099846"/>
       </p:ext>
     </p:extLst>
   </p:cSld>
@@ -349,7 +349,7 @@
           <p:cNvPr id="2" name="标题 1">
             <a:extLst>
               <a:ext uri="{FF2B5EF4-FFF2-40B4-BE49-F238E27FC236}">
-                <a16:creationId xmlns:a16="http://schemas.microsoft.com/office/drawing/2014/main" id="{506A5DA1-2A99-CBFE-AA51-0B26B27199E0}"/>
+                <a16:creationId xmlns:a16="http://schemas.microsoft.com/office/drawing/2014/main" id="{F7D27466-A755-33A0-0B13-C4746478664F}"/>
               </a:ext>
             </a:extLst>
           </p:cNvPr>
@@ -377,7 +377,7 @@
           <p:cNvPr id="3" name="竖排文字占位符 2">
             <a:extLst>
               <a:ext uri="{FF2B5EF4-FFF2-40B4-BE49-F238E27FC236}">
-                <a16:creationId xmlns:a16="http://schemas.microsoft.com/office/drawing/2014/main" id="{730A3556-CEAE-8EE6-E749-A6F296D1C774}"/>
+                <a16:creationId xmlns:a16="http://schemas.microsoft.com/office/drawing/2014/main" id="{C26D8F52-878F-70B0-A085-8DA1367DBC39}"/>
               </a:ext>
             </a:extLst>
           </p:cNvPr>
@@ -434,7 +434,7 @@
           <p:cNvPr id="4" name="日期占位符 3">
             <a:extLst>
               <a:ext uri="{FF2B5EF4-FFF2-40B4-BE49-F238E27FC236}">
-                <a16:creationId xmlns:a16="http://schemas.microsoft.com/office/drawing/2014/main" id="{EFAA1140-9D14-A7CE-1AC5-2FD178945206}"/>
+                <a16:creationId xmlns:a16="http://schemas.microsoft.com/office/drawing/2014/main" id="{418E0B00-79A9-2982-680A-6FEA32B638D1}"/>
               </a:ext>
             </a:extLst>
           </p:cNvPr>
@@ -450,7 +450,7 @@
           <a:bodyPr/>
           <a:lstStyle/>
           <a:p>
-            <a:fld id="{734A9F9E-F411-4D84-9B20-FBE84E16C011}" type="datetimeFigureOut">
+            <a:fld id="{9E5074AC-46EB-4DD8-895A-9E3957843033}" type="datetimeFigureOut">
               <a:rPr lang="zh-CN" altLang="en-US" smtClean="0"/>
               <a:t>2024/3/10</a:t>
             </a:fld>
@@ -463,7 +463,7 @@
           <p:cNvPr id="5" name="页脚占位符 4">
             <a:extLst>
               <a:ext uri="{FF2B5EF4-FFF2-40B4-BE49-F238E27FC236}">
-                <a16:creationId xmlns:a16="http://schemas.microsoft.com/office/drawing/2014/main" id="{421B96C0-910D-F016-3EFF-012DA0975841}"/>
+                <a16:creationId xmlns:a16="http://schemas.microsoft.com/office/drawing/2014/main" id="{36F1456E-27D3-94E7-D9C3-AE7C6B1EF4E5}"/>
               </a:ext>
             </a:extLst>
           </p:cNvPr>
@@ -488,7 +488,7 @@
           <p:cNvPr id="6" name="灯片编号占位符 5">
             <a:extLst>
               <a:ext uri="{FF2B5EF4-FFF2-40B4-BE49-F238E27FC236}">
-                <a16:creationId xmlns:a16="http://schemas.microsoft.com/office/drawing/2014/main" id="{D052D20B-A95D-7636-78F8-0C272DB7B278}"/>
+                <a16:creationId xmlns:a16="http://schemas.microsoft.com/office/drawing/2014/main" id="{E44E3AE3-3DF3-572F-96B5-FD96BEC3CE7F}"/>
               </a:ext>
             </a:extLst>
           </p:cNvPr>
@@ -504,7 +504,7 @@
           <a:bodyPr/>
           <a:lstStyle/>
           <a:p>
-            <a:fld id="{19677BD0-D6DC-4164-B6E5-ED5995BAEDE8}" type="slidenum">
+            <a:fld id="{E3F84034-E6DA-40E9-AEE0-C78DE46A6C12}" type="slidenum">
               <a:rPr lang="zh-CN" altLang="en-US" smtClean="0"/>
               <a:t>‹#›</a:t>
             </a:fld>
@@ -515,7 +515,7 @@
     </p:spTree>
     <p:extLst>
       <p:ext uri="{BB962C8B-B14F-4D97-AF65-F5344CB8AC3E}">
-        <p14:creationId xmlns:p14="http://schemas.microsoft.com/office/powerpoint/2010/main" val="3502792020"/>
+        <p14:creationId xmlns:p14="http://schemas.microsoft.com/office/powerpoint/2010/main" val="249746041"/>
       </p:ext>
     </p:extLst>
   </p:cSld>
@@ -547,7 +547,7 @@
           <p:cNvPr id="2" name="竖排标题 1">
             <a:extLst>
               <a:ext uri="{FF2B5EF4-FFF2-40B4-BE49-F238E27FC236}">
-                <a16:creationId xmlns:a16="http://schemas.microsoft.com/office/drawing/2014/main" id="{5E59E03B-98F7-2EC5-787E-FC28D03F0AA1}"/>
+                <a16:creationId xmlns:a16="http://schemas.microsoft.com/office/drawing/2014/main" id="{B097364C-47B8-06B4-5AE1-8808076914CB}"/>
               </a:ext>
             </a:extLst>
           </p:cNvPr>
@@ -580,7 +580,7 @@
           <p:cNvPr id="3" name="竖排文字占位符 2">
             <a:extLst>
               <a:ext uri="{FF2B5EF4-FFF2-40B4-BE49-F238E27FC236}">
-                <a16:creationId xmlns:a16="http://schemas.microsoft.com/office/drawing/2014/main" id="{FB4E6B23-E81C-5CDC-58B4-E2941B02FB7B}"/>
+                <a16:creationId xmlns:a16="http://schemas.microsoft.com/office/drawing/2014/main" id="{F6837D99-6B25-8F18-8958-B747934DED3D}"/>
               </a:ext>
             </a:extLst>
           </p:cNvPr>
@@ -642,7 +642,7 @@
           <p:cNvPr id="4" name="日期占位符 3">
             <a:extLst>
               <a:ext uri="{FF2B5EF4-FFF2-40B4-BE49-F238E27FC236}">
-                <a16:creationId xmlns:a16="http://schemas.microsoft.com/office/drawing/2014/main" id="{B46F5FA2-769F-F669-1A08-E511927CAAC0}"/>
+                <a16:creationId xmlns:a16="http://schemas.microsoft.com/office/drawing/2014/main" id="{463CF0CF-15AD-D8DA-AB06-37438032AC39}"/>
               </a:ext>
             </a:extLst>
           </p:cNvPr>
@@ -658,7 +658,7 @@
           <a:bodyPr/>
           <a:lstStyle/>
           <a:p>
-            <a:fld id="{734A9F9E-F411-4D84-9B20-FBE84E16C011}" type="datetimeFigureOut">
+            <a:fld id="{9E5074AC-46EB-4DD8-895A-9E3957843033}" type="datetimeFigureOut">
               <a:rPr lang="zh-CN" altLang="en-US" smtClean="0"/>
               <a:t>2024/3/10</a:t>
             </a:fld>
@@ -671,7 +671,7 @@
           <p:cNvPr id="5" name="页脚占位符 4">
             <a:extLst>
               <a:ext uri="{FF2B5EF4-FFF2-40B4-BE49-F238E27FC236}">
-                <a16:creationId xmlns:a16="http://schemas.microsoft.com/office/drawing/2014/main" id="{C39EB623-C2A6-6E07-9260-720F3873EAF5}"/>
+                <a16:creationId xmlns:a16="http://schemas.microsoft.com/office/drawing/2014/main" id="{7CDD8EF3-5A1B-209D-6E71-8E52B0C1620A}"/>
               </a:ext>
             </a:extLst>
           </p:cNvPr>
@@ -696,7 +696,7 @@
           <p:cNvPr id="6" name="灯片编号占位符 5">
             <a:extLst>
               <a:ext uri="{FF2B5EF4-FFF2-40B4-BE49-F238E27FC236}">
-                <a16:creationId xmlns:a16="http://schemas.microsoft.com/office/drawing/2014/main" id="{8F8BD75E-0A83-AB73-6272-2B89429A4521}"/>
+                <a16:creationId xmlns:a16="http://schemas.microsoft.com/office/drawing/2014/main" id="{603F2F56-78BA-7D05-F96C-EE85E5D8F26D}"/>
               </a:ext>
             </a:extLst>
           </p:cNvPr>
@@ -712,7 +712,7 @@
           <a:bodyPr/>
           <a:lstStyle/>
           <a:p>
-            <a:fld id="{19677BD0-D6DC-4164-B6E5-ED5995BAEDE8}" type="slidenum">
+            <a:fld id="{E3F84034-E6DA-40E9-AEE0-C78DE46A6C12}" type="slidenum">
               <a:rPr lang="zh-CN" altLang="en-US" smtClean="0"/>
               <a:t>‹#›</a:t>
             </a:fld>
@@ -723,7 +723,7 @@
     </p:spTree>
     <p:extLst>
       <p:ext uri="{BB962C8B-B14F-4D97-AF65-F5344CB8AC3E}">
-        <p14:creationId xmlns:p14="http://schemas.microsoft.com/office/powerpoint/2010/main" val="1832438658"/>
+        <p14:creationId xmlns:p14="http://schemas.microsoft.com/office/powerpoint/2010/main" val="1344899206"/>
       </p:ext>
     </p:extLst>
   </p:cSld>
@@ -755,7 +755,7 @@
           <p:cNvPr id="2" name="标题 1">
             <a:extLst>
               <a:ext uri="{FF2B5EF4-FFF2-40B4-BE49-F238E27FC236}">
-                <a16:creationId xmlns:a16="http://schemas.microsoft.com/office/drawing/2014/main" id="{457F2017-2C22-F8EF-1613-CB2F2B689D0F}"/>
+                <a16:creationId xmlns:a16="http://schemas.microsoft.com/office/drawing/2014/main" id="{AFFCB0D3-BCA2-AD31-2141-0326097F3EBC}"/>
               </a:ext>
             </a:extLst>
           </p:cNvPr>
@@ -783,7 +783,7 @@
           <p:cNvPr id="3" name="内容占位符 2">
             <a:extLst>
               <a:ext uri="{FF2B5EF4-FFF2-40B4-BE49-F238E27FC236}">
-                <a16:creationId xmlns:a16="http://schemas.microsoft.com/office/drawing/2014/main" id="{4F01EC2A-DF57-DA04-1061-F28B3267FBC3}"/>
+                <a16:creationId xmlns:a16="http://schemas.microsoft.com/office/drawing/2014/main" id="{030053D0-DAA8-81C2-4AEE-A37666246973}"/>
               </a:ext>
             </a:extLst>
           </p:cNvPr>
@@ -840,7 +840,7 @@
           <p:cNvPr id="4" name="日期占位符 3">
             <a:extLst>
               <a:ext uri="{FF2B5EF4-FFF2-40B4-BE49-F238E27FC236}">
-                <a16:creationId xmlns:a16="http://schemas.microsoft.com/office/drawing/2014/main" id="{1F856D64-FE4E-ED44-0653-D6778F129551}"/>
+                <a16:creationId xmlns:a16="http://schemas.microsoft.com/office/drawing/2014/main" id="{94E03FD1-E8EB-3619-F758-048E5F5E6A1A}"/>
               </a:ext>
             </a:extLst>
           </p:cNvPr>
@@ -856,7 +856,7 @@
           <a:bodyPr/>
           <a:lstStyle/>
           <a:p>
-            <a:fld id="{734A9F9E-F411-4D84-9B20-FBE84E16C011}" type="datetimeFigureOut">
+            <a:fld id="{9E5074AC-46EB-4DD8-895A-9E3957843033}" type="datetimeFigureOut">
               <a:rPr lang="zh-CN" altLang="en-US" smtClean="0"/>
               <a:t>2024/3/10</a:t>
             </a:fld>
@@ -869,7 +869,7 @@
           <p:cNvPr id="5" name="页脚占位符 4">
             <a:extLst>
               <a:ext uri="{FF2B5EF4-FFF2-40B4-BE49-F238E27FC236}">
-                <a16:creationId xmlns:a16="http://schemas.microsoft.com/office/drawing/2014/main" id="{AC0DD602-7F29-5624-ECFE-7440D8E9BBBA}"/>
+                <a16:creationId xmlns:a16="http://schemas.microsoft.com/office/drawing/2014/main" id="{741A37FE-FDAB-3B8D-C4AC-A6F57B8D3243}"/>
               </a:ext>
             </a:extLst>
           </p:cNvPr>
@@ -894,7 +894,7 @@
           <p:cNvPr id="6" name="灯片编号占位符 5">
             <a:extLst>
               <a:ext uri="{FF2B5EF4-FFF2-40B4-BE49-F238E27FC236}">
-                <a16:creationId xmlns:a16="http://schemas.microsoft.com/office/drawing/2014/main" id="{30AF6B5D-3ACC-F78E-739A-587FA62C9393}"/>
+                <a16:creationId xmlns:a16="http://schemas.microsoft.com/office/drawing/2014/main" id="{1F05F0AA-610F-ECB9-893D-E545BA3C1C75}"/>
               </a:ext>
             </a:extLst>
           </p:cNvPr>
@@ -910,7 +910,7 @@
           <a:bodyPr/>
           <a:lstStyle/>
           <a:p>
-            <a:fld id="{19677BD0-D6DC-4164-B6E5-ED5995BAEDE8}" type="slidenum">
+            <a:fld id="{E3F84034-E6DA-40E9-AEE0-C78DE46A6C12}" type="slidenum">
               <a:rPr lang="zh-CN" altLang="en-US" smtClean="0"/>
               <a:t>‹#›</a:t>
             </a:fld>
@@ -921,7 +921,7 @@
     </p:spTree>
     <p:extLst>
       <p:ext uri="{BB962C8B-B14F-4D97-AF65-F5344CB8AC3E}">
-        <p14:creationId xmlns:p14="http://schemas.microsoft.com/office/powerpoint/2010/main" val="421581760"/>
+        <p14:creationId xmlns:p14="http://schemas.microsoft.com/office/powerpoint/2010/main" val="1088617102"/>
       </p:ext>
     </p:extLst>
   </p:cSld>
@@ -953,7 +953,7 @@
           <p:cNvPr id="2" name="标题 1">
             <a:extLst>
               <a:ext uri="{FF2B5EF4-FFF2-40B4-BE49-F238E27FC236}">
-                <a16:creationId xmlns:a16="http://schemas.microsoft.com/office/drawing/2014/main" id="{2865AAF9-64A1-522E-EF4D-40C0051FD37D}"/>
+                <a16:creationId xmlns:a16="http://schemas.microsoft.com/office/drawing/2014/main" id="{BEFCB5B8-3517-0561-A08A-78943E17151D}"/>
               </a:ext>
             </a:extLst>
           </p:cNvPr>
@@ -990,7 +990,7 @@
           <p:cNvPr id="3" name="文本占位符 2">
             <a:extLst>
               <a:ext uri="{FF2B5EF4-FFF2-40B4-BE49-F238E27FC236}">
-                <a16:creationId xmlns:a16="http://schemas.microsoft.com/office/drawing/2014/main" id="{460E8221-3A16-4D3C-B65D-613C5E533C22}"/>
+                <a16:creationId xmlns:a16="http://schemas.microsoft.com/office/drawing/2014/main" id="{5DB707A7-0205-75D0-7783-B330FD984F79}"/>
               </a:ext>
             </a:extLst>
           </p:cNvPr>
@@ -1115,7 +1115,7 @@
           <p:cNvPr id="4" name="日期占位符 3">
             <a:extLst>
               <a:ext uri="{FF2B5EF4-FFF2-40B4-BE49-F238E27FC236}">
-                <a16:creationId xmlns:a16="http://schemas.microsoft.com/office/drawing/2014/main" id="{E72A3E10-CC54-B639-7259-0A8A087BD27A}"/>
+                <a16:creationId xmlns:a16="http://schemas.microsoft.com/office/drawing/2014/main" id="{9601AAE4-D115-06E4-A57E-CB8BA62159D8}"/>
               </a:ext>
             </a:extLst>
           </p:cNvPr>
@@ -1131,7 +1131,7 @@
           <a:bodyPr/>
           <a:lstStyle/>
           <a:p>
-            <a:fld id="{734A9F9E-F411-4D84-9B20-FBE84E16C011}" type="datetimeFigureOut">
+            <a:fld id="{9E5074AC-46EB-4DD8-895A-9E3957843033}" type="datetimeFigureOut">
               <a:rPr lang="zh-CN" altLang="en-US" smtClean="0"/>
               <a:t>2024/3/10</a:t>
             </a:fld>
@@ -1144,7 +1144,7 @@
           <p:cNvPr id="5" name="页脚占位符 4">
             <a:extLst>
               <a:ext uri="{FF2B5EF4-FFF2-40B4-BE49-F238E27FC236}">
-                <a16:creationId xmlns:a16="http://schemas.microsoft.com/office/drawing/2014/main" id="{46A1DA92-3158-1560-6E83-5B20BD955D0C}"/>
+                <a16:creationId xmlns:a16="http://schemas.microsoft.com/office/drawing/2014/main" id="{0F62FD15-C455-728C-8B4B-78543EBA68AB}"/>
               </a:ext>
             </a:extLst>
           </p:cNvPr>
@@ -1169,7 +1169,7 @@
           <p:cNvPr id="6" name="灯片编号占位符 5">
             <a:extLst>
               <a:ext uri="{FF2B5EF4-FFF2-40B4-BE49-F238E27FC236}">
-                <a16:creationId xmlns:a16="http://schemas.microsoft.com/office/drawing/2014/main" id="{1725D048-F380-8230-771C-3FDD125FBE82}"/>
+                <a16:creationId xmlns:a16="http://schemas.microsoft.com/office/drawing/2014/main" id="{6D8E5DB6-F4D2-0D57-A86D-8F22A875F068}"/>
               </a:ext>
             </a:extLst>
           </p:cNvPr>
@@ -1185,7 +1185,7 @@
           <a:bodyPr/>
           <a:lstStyle/>
           <a:p>
-            <a:fld id="{19677BD0-D6DC-4164-B6E5-ED5995BAEDE8}" type="slidenum">
+            <a:fld id="{E3F84034-E6DA-40E9-AEE0-C78DE46A6C12}" type="slidenum">
               <a:rPr lang="zh-CN" altLang="en-US" smtClean="0"/>
               <a:t>‹#›</a:t>
             </a:fld>
@@ -1196,7 +1196,7 @@
     </p:spTree>
     <p:extLst>
       <p:ext uri="{BB962C8B-B14F-4D97-AF65-F5344CB8AC3E}">
-        <p14:creationId xmlns:p14="http://schemas.microsoft.com/office/powerpoint/2010/main" val="241524377"/>
+        <p14:creationId xmlns:p14="http://schemas.microsoft.com/office/powerpoint/2010/main" val="1215097640"/>
       </p:ext>
     </p:extLst>
   </p:cSld>
@@ -1228,7 +1228,7 @@
           <p:cNvPr id="2" name="标题 1">
             <a:extLst>
               <a:ext uri="{FF2B5EF4-FFF2-40B4-BE49-F238E27FC236}">
-                <a16:creationId xmlns:a16="http://schemas.microsoft.com/office/drawing/2014/main" id="{1E9436CC-1719-A80F-CE2D-63F88E83B911}"/>
+                <a16:creationId xmlns:a16="http://schemas.microsoft.com/office/drawing/2014/main" id="{316C5ECC-4646-05FD-7C19-D18B435C8766}"/>
               </a:ext>
             </a:extLst>
           </p:cNvPr>
@@ -1256,7 +1256,7 @@
           <p:cNvPr id="3" name="内容占位符 2">
             <a:extLst>
               <a:ext uri="{FF2B5EF4-FFF2-40B4-BE49-F238E27FC236}">
-                <a16:creationId xmlns:a16="http://schemas.microsoft.com/office/drawing/2014/main" id="{9C5D87C0-5804-2388-D74F-8EAE4E8BDE2C}"/>
+                <a16:creationId xmlns:a16="http://schemas.microsoft.com/office/drawing/2014/main" id="{114ACFAF-8FCB-884E-BD59-590E61930FA1}"/>
               </a:ext>
             </a:extLst>
           </p:cNvPr>
@@ -1318,7 +1318,7 @@
           <p:cNvPr id="4" name="内容占位符 3">
             <a:extLst>
               <a:ext uri="{FF2B5EF4-FFF2-40B4-BE49-F238E27FC236}">
-                <a16:creationId xmlns:a16="http://schemas.microsoft.com/office/drawing/2014/main" id="{6C57B089-11B8-9F78-B260-5C546B058038}"/>
+                <a16:creationId xmlns:a16="http://schemas.microsoft.com/office/drawing/2014/main" id="{EA588405-8028-34BD-88A3-472AD32F529B}"/>
               </a:ext>
             </a:extLst>
           </p:cNvPr>
@@ -1380,7 +1380,7 @@
           <p:cNvPr id="5" name="日期占位符 4">
             <a:extLst>
               <a:ext uri="{FF2B5EF4-FFF2-40B4-BE49-F238E27FC236}">
-                <a16:creationId xmlns:a16="http://schemas.microsoft.com/office/drawing/2014/main" id="{98BF6191-3B4F-CBFD-1CC8-6B1C63DDE3FA}"/>
+                <a16:creationId xmlns:a16="http://schemas.microsoft.com/office/drawing/2014/main" id="{5CD83460-7493-007C-7051-FBA68B425526}"/>
               </a:ext>
             </a:extLst>
           </p:cNvPr>
@@ -1396,7 +1396,7 @@
           <a:bodyPr/>
           <a:lstStyle/>
           <a:p>
-            <a:fld id="{734A9F9E-F411-4D84-9B20-FBE84E16C011}" type="datetimeFigureOut">
+            <a:fld id="{9E5074AC-46EB-4DD8-895A-9E3957843033}" type="datetimeFigureOut">
               <a:rPr lang="zh-CN" altLang="en-US" smtClean="0"/>
               <a:t>2024/3/10</a:t>
             </a:fld>
@@ -1409,7 +1409,7 @@
           <p:cNvPr id="6" name="页脚占位符 5">
             <a:extLst>
               <a:ext uri="{FF2B5EF4-FFF2-40B4-BE49-F238E27FC236}">
-                <a16:creationId xmlns:a16="http://schemas.microsoft.com/office/drawing/2014/main" id="{3C78FBE0-734C-64CA-D89B-77DF4327D43F}"/>
+                <a16:creationId xmlns:a16="http://schemas.microsoft.com/office/drawing/2014/main" id="{0C103CCA-61BC-BA54-45D0-99CCFEEB0DBF}"/>
               </a:ext>
             </a:extLst>
           </p:cNvPr>
@@ -1434,7 +1434,7 @@
           <p:cNvPr id="7" name="灯片编号占位符 6">
             <a:extLst>
               <a:ext uri="{FF2B5EF4-FFF2-40B4-BE49-F238E27FC236}">
-                <a16:creationId xmlns:a16="http://schemas.microsoft.com/office/drawing/2014/main" id="{48764BAF-B5AD-F042-88E9-1F28EE123EC0}"/>
+                <a16:creationId xmlns:a16="http://schemas.microsoft.com/office/drawing/2014/main" id="{E990C15F-A111-96DD-2F7D-3A7ABF39D5B3}"/>
               </a:ext>
             </a:extLst>
           </p:cNvPr>
@@ -1450,7 +1450,7 @@
           <a:bodyPr/>
           <a:lstStyle/>
           <a:p>
-            <a:fld id="{19677BD0-D6DC-4164-B6E5-ED5995BAEDE8}" type="slidenum">
+            <a:fld id="{E3F84034-E6DA-40E9-AEE0-C78DE46A6C12}" type="slidenum">
               <a:rPr lang="zh-CN" altLang="en-US" smtClean="0"/>
               <a:t>‹#›</a:t>
             </a:fld>
@@ -1461,7 +1461,7 @@
     </p:spTree>
     <p:extLst>
       <p:ext uri="{BB962C8B-B14F-4D97-AF65-F5344CB8AC3E}">
-        <p14:creationId xmlns:p14="http://schemas.microsoft.com/office/powerpoint/2010/main" val="371902141"/>
+        <p14:creationId xmlns:p14="http://schemas.microsoft.com/office/powerpoint/2010/main" val="843153188"/>
       </p:ext>
     </p:extLst>
   </p:cSld>
@@ -1493,7 +1493,7 @@
           <p:cNvPr id="2" name="标题 1">
             <a:extLst>
               <a:ext uri="{FF2B5EF4-FFF2-40B4-BE49-F238E27FC236}">
-                <a16:creationId xmlns:a16="http://schemas.microsoft.com/office/drawing/2014/main" id="{7862C070-2F76-74CE-EADF-50C9510F8FF0}"/>
+                <a16:creationId xmlns:a16="http://schemas.microsoft.com/office/drawing/2014/main" id="{612E26E6-7838-597B-15F3-FEC9D03CDF06}"/>
               </a:ext>
             </a:extLst>
           </p:cNvPr>
@@ -1526,7 +1526,7 @@
           <p:cNvPr id="3" name="文本占位符 2">
             <a:extLst>
               <a:ext uri="{FF2B5EF4-FFF2-40B4-BE49-F238E27FC236}">
-                <a16:creationId xmlns:a16="http://schemas.microsoft.com/office/drawing/2014/main" id="{EEB27400-7675-B670-74FB-FFB341FC063C}"/>
+                <a16:creationId xmlns:a16="http://schemas.microsoft.com/office/drawing/2014/main" id="{3A757665-E75B-29F4-8268-46DE9143E76A}"/>
               </a:ext>
             </a:extLst>
           </p:cNvPr>
@@ -1597,7 +1597,7 @@
           <p:cNvPr id="4" name="内容占位符 3">
             <a:extLst>
               <a:ext uri="{FF2B5EF4-FFF2-40B4-BE49-F238E27FC236}">
-                <a16:creationId xmlns:a16="http://schemas.microsoft.com/office/drawing/2014/main" id="{F4D88AFB-602B-ED92-CBF2-63E40ABFA841}"/>
+                <a16:creationId xmlns:a16="http://schemas.microsoft.com/office/drawing/2014/main" id="{449DC8FA-31B8-FFE2-606B-6402E22585BF}"/>
               </a:ext>
             </a:extLst>
           </p:cNvPr>
@@ -1659,7 +1659,7 @@
           <p:cNvPr id="5" name="文本占位符 4">
             <a:extLst>
               <a:ext uri="{FF2B5EF4-FFF2-40B4-BE49-F238E27FC236}">
-                <a16:creationId xmlns:a16="http://schemas.microsoft.com/office/drawing/2014/main" id="{405F9C99-29C0-CB50-3D28-C924829BA87F}"/>
+                <a16:creationId xmlns:a16="http://schemas.microsoft.com/office/drawing/2014/main" id="{27BF5509-9E5B-CCB4-9BCB-37DDE38EA8DE}"/>
               </a:ext>
             </a:extLst>
           </p:cNvPr>
@@ -1730,7 +1730,7 @@
           <p:cNvPr id="6" name="内容占位符 5">
             <a:extLst>
               <a:ext uri="{FF2B5EF4-FFF2-40B4-BE49-F238E27FC236}">
-                <a16:creationId xmlns:a16="http://schemas.microsoft.com/office/drawing/2014/main" id="{9A058564-D765-04E8-F8E7-301FD18EFD81}"/>
+                <a16:creationId xmlns:a16="http://schemas.microsoft.com/office/drawing/2014/main" id="{6D0FF8C2-5D42-A77B-0A92-C124476796D0}"/>
               </a:ext>
             </a:extLst>
           </p:cNvPr>
@@ -1792,7 +1792,7 @@
           <p:cNvPr id="7" name="日期占位符 6">
             <a:extLst>
               <a:ext uri="{FF2B5EF4-FFF2-40B4-BE49-F238E27FC236}">
-                <a16:creationId xmlns:a16="http://schemas.microsoft.com/office/drawing/2014/main" id="{123A79C6-D905-A106-5584-9D2EC9871308}"/>
+                <a16:creationId xmlns:a16="http://schemas.microsoft.com/office/drawing/2014/main" id="{A84B49E8-932C-1D47-D6BE-AE47E03979E3}"/>
               </a:ext>
             </a:extLst>
           </p:cNvPr>
@@ -1808,7 +1808,7 @@
           <a:bodyPr/>
           <a:lstStyle/>
           <a:p>
-            <a:fld id="{734A9F9E-F411-4D84-9B20-FBE84E16C011}" type="datetimeFigureOut">
+            <a:fld id="{9E5074AC-46EB-4DD8-895A-9E3957843033}" type="datetimeFigureOut">
               <a:rPr lang="zh-CN" altLang="en-US" smtClean="0"/>
               <a:t>2024/3/10</a:t>
             </a:fld>
@@ -1821,7 +1821,7 @@
           <p:cNvPr id="8" name="页脚占位符 7">
             <a:extLst>
               <a:ext uri="{FF2B5EF4-FFF2-40B4-BE49-F238E27FC236}">
-                <a16:creationId xmlns:a16="http://schemas.microsoft.com/office/drawing/2014/main" id="{A541E1BC-AC29-EED2-93A1-C79546A3CB21}"/>
+                <a16:creationId xmlns:a16="http://schemas.microsoft.com/office/drawing/2014/main" id="{AAEE2531-C1D6-E636-E3CF-832DAFFFA51C}"/>
               </a:ext>
             </a:extLst>
           </p:cNvPr>
@@ -1846,7 +1846,7 @@
           <p:cNvPr id="9" name="灯片编号占位符 8">
             <a:extLst>
               <a:ext uri="{FF2B5EF4-FFF2-40B4-BE49-F238E27FC236}">
-                <a16:creationId xmlns:a16="http://schemas.microsoft.com/office/drawing/2014/main" id="{17FBCEF3-33EF-1B7B-0509-80DF7F3F2C35}"/>
+                <a16:creationId xmlns:a16="http://schemas.microsoft.com/office/drawing/2014/main" id="{D1D90C66-A99A-00D9-A433-D476F35EB4CB}"/>
               </a:ext>
             </a:extLst>
           </p:cNvPr>
@@ -1862,7 +1862,7 @@
           <a:bodyPr/>
           <a:lstStyle/>
           <a:p>
-            <a:fld id="{19677BD0-D6DC-4164-B6E5-ED5995BAEDE8}" type="slidenum">
+            <a:fld id="{E3F84034-E6DA-40E9-AEE0-C78DE46A6C12}" type="slidenum">
               <a:rPr lang="zh-CN" altLang="en-US" smtClean="0"/>
               <a:t>‹#›</a:t>
             </a:fld>
@@ -1873,7 +1873,7 @@
     </p:spTree>
     <p:extLst>
       <p:ext uri="{BB962C8B-B14F-4D97-AF65-F5344CB8AC3E}">
-        <p14:creationId xmlns:p14="http://schemas.microsoft.com/office/powerpoint/2010/main" val="1002565738"/>
+        <p14:creationId xmlns:p14="http://schemas.microsoft.com/office/powerpoint/2010/main" val="2596239231"/>
       </p:ext>
     </p:extLst>
   </p:cSld>
@@ -1905,7 +1905,7 @@
           <p:cNvPr id="2" name="标题 1">
             <a:extLst>
               <a:ext uri="{FF2B5EF4-FFF2-40B4-BE49-F238E27FC236}">
-                <a16:creationId xmlns:a16="http://schemas.microsoft.com/office/drawing/2014/main" id="{9889E3BF-EA0A-4A30-3078-30556A036F13}"/>
+                <a16:creationId xmlns:a16="http://schemas.microsoft.com/office/drawing/2014/main" id="{C751565D-53EF-83BF-C004-549456136327}"/>
               </a:ext>
             </a:extLst>
           </p:cNvPr>
@@ -1933,7 +1933,7 @@
           <p:cNvPr id="3" name="日期占位符 2">
             <a:extLst>
               <a:ext uri="{FF2B5EF4-FFF2-40B4-BE49-F238E27FC236}">
-                <a16:creationId xmlns:a16="http://schemas.microsoft.com/office/drawing/2014/main" id="{DE0DE8FD-5825-5C06-D1AF-D5F81381F373}"/>
+                <a16:creationId xmlns:a16="http://schemas.microsoft.com/office/drawing/2014/main" id="{22854641-5A4F-2763-4C22-B92D22654FB7}"/>
               </a:ext>
             </a:extLst>
           </p:cNvPr>
@@ -1949,7 +1949,7 @@
           <a:bodyPr/>
           <a:lstStyle/>
           <a:p>
-            <a:fld id="{734A9F9E-F411-4D84-9B20-FBE84E16C011}" type="datetimeFigureOut">
+            <a:fld id="{9E5074AC-46EB-4DD8-895A-9E3957843033}" type="datetimeFigureOut">
               <a:rPr lang="zh-CN" altLang="en-US" smtClean="0"/>
               <a:t>2024/3/10</a:t>
             </a:fld>
@@ -1962,7 +1962,7 @@
           <p:cNvPr id="4" name="页脚占位符 3">
             <a:extLst>
               <a:ext uri="{FF2B5EF4-FFF2-40B4-BE49-F238E27FC236}">
-                <a16:creationId xmlns:a16="http://schemas.microsoft.com/office/drawing/2014/main" id="{292DD526-01F3-F8C8-1F26-9DEAE7748E94}"/>
+                <a16:creationId xmlns:a16="http://schemas.microsoft.com/office/drawing/2014/main" id="{4C6D9815-9971-0352-521B-EEAB4885992D}"/>
               </a:ext>
             </a:extLst>
           </p:cNvPr>
@@ -1987,7 +1987,7 @@
           <p:cNvPr id="5" name="灯片编号占位符 4">
             <a:extLst>
               <a:ext uri="{FF2B5EF4-FFF2-40B4-BE49-F238E27FC236}">
-                <a16:creationId xmlns:a16="http://schemas.microsoft.com/office/drawing/2014/main" id="{990B4EEE-4044-1BFC-AADB-9A394BF9818A}"/>
+                <a16:creationId xmlns:a16="http://schemas.microsoft.com/office/drawing/2014/main" id="{06700D48-9335-2729-C566-FCDB9D3D68DF}"/>
               </a:ext>
             </a:extLst>
           </p:cNvPr>
@@ -2003,7 +2003,7 @@
           <a:bodyPr/>
           <a:lstStyle/>
           <a:p>
-            <a:fld id="{19677BD0-D6DC-4164-B6E5-ED5995BAEDE8}" type="slidenum">
+            <a:fld id="{E3F84034-E6DA-40E9-AEE0-C78DE46A6C12}" type="slidenum">
               <a:rPr lang="zh-CN" altLang="en-US" smtClean="0"/>
               <a:t>‹#›</a:t>
             </a:fld>
@@ -2014,7 +2014,7 @@
     </p:spTree>
     <p:extLst>
       <p:ext uri="{BB962C8B-B14F-4D97-AF65-F5344CB8AC3E}">
-        <p14:creationId xmlns:p14="http://schemas.microsoft.com/office/powerpoint/2010/main" val="1525183256"/>
+        <p14:creationId xmlns:p14="http://schemas.microsoft.com/office/powerpoint/2010/main" val="2659269220"/>
       </p:ext>
     </p:extLst>
   </p:cSld>
@@ -2046,7 +2046,7 @@
           <p:cNvPr id="2" name="日期占位符 1">
             <a:extLst>
               <a:ext uri="{FF2B5EF4-FFF2-40B4-BE49-F238E27FC236}">
-                <a16:creationId xmlns:a16="http://schemas.microsoft.com/office/drawing/2014/main" id="{200C5729-0219-DB78-EA43-B02A7F35E2A4}"/>
+                <a16:creationId xmlns:a16="http://schemas.microsoft.com/office/drawing/2014/main" id="{5A24192D-8F31-1187-9FA4-CC98732FB579}"/>
               </a:ext>
             </a:extLst>
           </p:cNvPr>
@@ -2062,7 +2062,7 @@
           <a:bodyPr/>
           <a:lstStyle/>
           <a:p>
-            <a:fld id="{734A9F9E-F411-4D84-9B20-FBE84E16C011}" type="datetimeFigureOut">
+            <a:fld id="{9E5074AC-46EB-4DD8-895A-9E3957843033}" type="datetimeFigureOut">
               <a:rPr lang="zh-CN" altLang="en-US" smtClean="0"/>
               <a:t>2024/3/10</a:t>
             </a:fld>
@@ -2075,7 +2075,7 @@
           <p:cNvPr id="3" name="页脚占位符 2">
             <a:extLst>
               <a:ext uri="{FF2B5EF4-FFF2-40B4-BE49-F238E27FC236}">
-                <a16:creationId xmlns:a16="http://schemas.microsoft.com/office/drawing/2014/main" id="{A078F42D-2862-3878-67D6-A5DD2FEB1616}"/>
+                <a16:creationId xmlns:a16="http://schemas.microsoft.com/office/drawing/2014/main" id="{9EDECD96-3A4A-59D4-590D-3944A0E19103}"/>
               </a:ext>
             </a:extLst>
           </p:cNvPr>
@@ -2100,7 +2100,7 @@
           <p:cNvPr id="4" name="灯片编号占位符 3">
             <a:extLst>
               <a:ext uri="{FF2B5EF4-FFF2-40B4-BE49-F238E27FC236}">
-                <a16:creationId xmlns:a16="http://schemas.microsoft.com/office/drawing/2014/main" id="{0308535D-AB71-61D8-1950-4F64ED70976F}"/>
+                <a16:creationId xmlns:a16="http://schemas.microsoft.com/office/drawing/2014/main" id="{4FF65777-580E-DD6C-AF31-3410D76E239F}"/>
               </a:ext>
             </a:extLst>
           </p:cNvPr>
@@ -2116,7 +2116,7 @@
           <a:bodyPr/>
           <a:lstStyle/>
           <a:p>
-            <a:fld id="{19677BD0-D6DC-4164-B6E5-ED5995BAEDE8}" type="slidenum">
+            <a:fld id="{E3F84034-E6DA-40E9-AEE0-C78DE46A6C12}" type="slidenum">
               <a:rPr lang="zh-CN" altLang="en-US" smtClean="0"/>
               <a:t>‹#›</a:t>
             </a:fld>
@@ -2127,7 +2127,7 @@
     </p:spTree>
     <p:extLst>
       <p:ext uri="{BB962C8B-B14F-4D97-AF65-F5344CB8AC3E}">
-        <p14:creationId xmlns:p14="http://schemas.microsoft.com/office/powerpoint/2010/main" val="2383874613"/>
+        <p14:creationId xmlns:p14="http://schemas.microsoft.com/office/powerpoint/2010/main" val="1910407228"/>
       </p:ext>
     </p:extLst>
   </p:cSld>
@@ -2159,7 +2159,7 @@
           <p:cNvPr id="2" name="标题 1">
             <a:extLst>
               <a:ext uri="{FF2B5EF4-FFF2-40B4-BE49-F238E27FC236}">
-                <a16:creationId xmlns:a16="http://schemas.microsoft.com/office/drawing/2014/main" id="{99075A1E-57AA-D046-78B0-563CAE027A0B}"/>
+                <a16:creationId xmlns:a16="http://schemas.microsoft.com/office/drawing/2014/main" id="{0ABBF711-68F6-ACFF-9EA8-4E9FCC9152FF}"/>
               </a:ext>
             </a:extLst>
           </p:cNvPr>
@@ -2196,7 +2196,7 @@
           <p:cNvPr id="3" name="内容占位符 2">
             <a:extLst>
               <a:ext uri="{FF2B5EF4-FFF2-40B4-BE49-F238E27FC236}">
-                <a16:creationId xmlns:a16="http://schemas.microsoft.com/office/drawing/2014/main" id="{31244A6F-DA88-62AA-8F1F-218472A030CE}"/>
+                <a16:creationId xmlns:a16="http://schemas.microsoft.com/office/drawing/2014/main" id="{B9673267-BB50-BE53-396E-66C3C12A6134}"/>
               </a:ext>
             </a:extLst>
           </p:cNvPr>
@@ -2286,7 +2286,7 @@
           <p:cNvPr id="4" name="文本占位符 3">
             <a:extLst>
               <a:ext uri="{FF2B5EF4-FFF2-40B4-BE49-F238E27FC236}">
-                <a16:creationId xmlns:a16="http://schemas.microsoft.com/office/drawing/2014/main" id="{43AA319C-E21B-90C7-4891-E3EE28E0245D}"/>
+                <a16:creationId xmlns:a16="http://schemas.microsoft.com/office/drawing/2014/main" id="{41EF0429-40AB-8FD5-EC30-2C9016516495}"/>
               </a:ext>
             </a:extLst>
           </p:cNvPr>
@@ -2357,7 +2357,7 @@
           <p:cNvPr id="5" name="日期占位符 4">
             <a:extLst>
               <a:ext uri="{FF2B5EF4-FFF2-40B4-BE49-F238E27FC236}">
-                <a16:creationId xmlns:a16="http://schemas.microsoft.com/office/drawing/2014/main" id="{E1FD3CD8-16BC-715C-A7DD-5EFA1B82B342}"/>
+                <a16:creationId xmlns:a16="http://schemas.microsoft.com/office/drawing/2014/main" id="{1D5B68D2-DE14-350D-B287-01B35B6F1051}"/>
               </a:ext>
             </a:extLst>
           </p:cNvPr>
@@ -2373,7 +2373,7 @@
           <a:bodyPr/>
           <a:lstStyle/>
           <a:p>
-            <a:fld id="{734A9F9E-F411-4D84-9B20-FBE84E16C011}" type="datetimeFigureOut">
+            <a:fld id="{9E5074AC-46EB-4DD8-895A-9E3957843033}" type="datetimeFigureOut">
               <a:rPr lang="zh-CN" altLang="en-US" smtClean="0"/>
               <a:t>2024/3/10</a:t>
             </a:fld>
@@ -2386,7 +2386,7 @@
           <p:cNvPr id="6" name="页脚占位符 5">
             <a:extLst>
               <a:ext uri="{FF2B5EF4-FFF2-40B4-BE49-F238E27FC236}">
-                <a16:creationId xmlns:a16="http://schemas.microsoft.com/office/drawing/2014/main" id="{21FA50A7-2FB5-0DB2-2046-5F8329E60EE7}"/>
+                <a16:creationId xmlns:a16="http://schemas.microsoft.com/office/drawing/2014/main" id="{43354098-72CA-F6EB-6F1B-C4D168163472}"/>
               </a:ext>
             </a:extLst>
           </p:cNvPr>
@@ -2411,7 +2411,7 @@
           <p:cNvPr id="7" name="灯片编号占位符 6">
             <a:extLst>
               <a:ext uri="{FF2B5EF4-FFF2-40B4-BE49-F238E27FC236}">
-                <a16:creationId xmlns:a16="http://schemas.microsoft.com/office/drawing/2014/main" id="{2AB53386-88C4-7309-1DBF-DC70D47D5F7F}"/>
+                <a16:creationId xmlns:a16="http://schemas.microsoft.com/office/drawing/2014/main" id="{8291D115-490D-0417-F0AC-766F32DBD01E}"/>
               </a:ext>
             </a:extLst>
           </p:cNvPr>
@@ -2427,7 +2427,7 @@
           <a:bodyPr/>
           <a:lstStyle/>
           <a:p>
-            <a:fld id="{19677BD0-D6DC-4164-B6E5-ED5995BAEDE8}" type="slidenum">
+            <a:fld id="{E3F84034-E6DA-40E9-AEE0-C78DE46A6C12}" type="slidenum">
               <a:rPr lang="zh-CN" altLang="en-US" smtClean="0"/>
               <a:t>‹#›</a:t>
             </a:fld>
@@ -2438,7 +2438,7 @@
     </p:spTree>
     <p:extLst>
       <p:ext uri="{BB962C8B-B14F-4D97-AF65-F5344CB8AC3E}">
-        <p14:creationId xmlns:p14="http://schemas.microsoft.com/office/powerpoint/2010/main" val="3447842487"/>
+        <p14:creationId xmlns:p14="http://schemas.microsoft.com/office/powerpoint/2010/main" val="2896468780"/>
       </p:ext>
     </p:extLst>
   </p:cSld>
@@ -2470,7 +2470,7 @@
           <p:cNvPr id="2" name="标题 1">
             <a:extLst>
               <a:ext uri="{FF2B5EF4-FFF2-40B4-BE49-F238E27FC236}">
-                <a16:creationId xmlns:a16="http://schemas.microsoft.com/office/drawing/2014/main" id="{7D689BF3-BEAF-E2E0-59E1-24C8D9D56AAB}"/>
+                <a16:creationId xmlns:a16="http://schemas.microsoft.com/office/drawing/2014/main" id="{8B72AE3D-8D01-0A14-3EBA-65133D379DD8}"/>
               </a:ext>
             </a:extLst>
           </p:cNvPr>
@@ -2507,7 +2507,7 @@
           <p:cNvPr id="3" name="图片占位符 2">
             <a:extLst>
               <a:ext uri="{FF2B5EF4-FFF2-40B4-BE49-F238E27FC236}">
-                <a16:creationId xmlns:a16="http://schemas.microsoft.com/office/drawing/2014/main" id="{693F8551-0821-F685-E14A-E9BF6B578FFC}"/>
+                <a16:creationId xmlns:a16="http://schemas.microsoft.com/office/drawing/2014/main" id="{C964849A-3282-5F17-1C85-150DFD9E13E0}"/>
               </a:ext>
             </a:extLst>
           </p:cNvPr>
@@ -2574,7 +2574,7 @@
           <p:cNvPr id="4" name="文本占位符 3">
             <a:extLst>
               <a:ext uri="{FF2B5EF4-FFF2-40B4-BE49-F238E27FC236}">
-                <a16:creationId xmlns:a16="http://schemas.microsoft.com/office/drawing/2014/main" id="{7AB45FEC-458B-BE3B-594F-7B02586012E5}"/>
+                <a16:creationId xmlns:a16="http://schemas.microsoft.com/office/drawing/2014/main" id="{23F32523-CD18-D988-49C8-256E7A78C12F}"/>
               </a:ext>
             </a:extLst>
           </p:cNvPr>
@@ -2645,7 +2645,7 @@
           <p:cNvPr id="5" name="日期占位符 4">
             <a:extLst>
               <a:ext uri="{FF2B5EF4-FFF2-40B4-BE49-F238E27FC236}">
-                <a16:creationId xmlns:a16="http://schemas.microsoft.com/office/drawing/2014/main" id="{F1ACEEC0-1BCD-5296-E50D-11581479A56C}"/>
+                <a16:creationId xmlns:a16="http://schemas.microsoft.com/office/drawing/2014/main" id="{57A7101C-22D3-A21C-37B8-D96FDDB26EAC}"/>
               </a:ext>
             </a:extLst>
           </p:cNvPr>
@@ -2661,7 +2661,7 @@
           <a:bodyPr/>
           <a:lstStyle/>
           <a:p>
-            <a:fld id="{734A9F9E-F411-4D84-9B20-FBE84E16C011}" type="datetimeFigureOut">
+            <a:fld id="{9E5074AC-46EB-4DD8-895A-9E3957843033}" type="datetimeFigureOut">
               <a:rPr lang="zh-CN" altLang="en-US" smtClean="0"/>
               <a:t>2024/3/10</a:t>
             </a:fld>
@@ -2674,7 +2674,7 @@
           <p:cNvPr id="6" name="页脚占位符 5">
             <a:extLst>
               <a:ext uri="{FF2B5EF4-FFF2-40B4-BE49-F238E27FC236}">
-                <a16:creationId xmlns:a16="http://schemas.microsoft.com/office/drawing/2014/main" id="{91F19C5D-A110-1D72-A87D-E5EC33AA9B97}"/>
+                <a16:creationId xmlns:a16="http://schemas.microsoft.com/office/drawing/2014/main" id="{110792FE-46C1-E7BB-FA6E-BF86A99D6082}"/>
               </a:ext>
             </a:extLst>
           </p:cNvPr>
@@ -2699,7 +2699,7 @@
           <p:cNvPr id="7" name="灯片编号占位符 6">
             <a:extLst>
               <a:ext uri="{FF2B5EF4-FFF2-40B4-BE49-F238E27FC236}">
-                <a16:creationId xmlns:a16="http://schemas.microsoft.com/office/drawing/2014/main" id="{31508862-E87C-37C5-08C4-131DAF2DF669}"/>
+                <a16:creationId xmlns:a16="http://schemas.microsoft.com/office/drawing/2014/main" id="{D65B3D89-2E55-582C-2C87-0936019C2B22}"/>
               </a:ext>
             </a:extLst>
           </p:cNvPr>
@@ -2715,7 +2715,7 @@
           <a:bodyPr/>
           <a:lstStyle/>
           <a:p>
-            <a:fld id="{19677BD0-D6DC-4164-B6E5-ED5995BAEDE8}" type="slidenum">
+            <a:fld id="{E3F84034-E6DA-40E9-AEE0-C78DE46A6C12}" type="slidenum">
               <a:rPr lang="zh-CN" altLang="en-US" smtClean="0"/>
               <a:t>‹#›</a:t>
             </a:fld>
@@ -2726,7 +2726,7 @@
     </p:spTree>
     <p:extLst>
       <p:ext uri="{BB962C8B-B14F-4D97-AF65-F5344CB8AC3E}">
-        <p14:creationId xmlns:p14="http://schemas.microsoft.com/office/powerpoint/2010/main" val="696748803"/>
+        <p14:creationId xmlns:p14="http://schemas.microsoft.com/office/powerpoint/2010/main" val="2024822800"/>
       </p:ext>
     </p:extLst>
   </p:cSld>
@@ -2763,7 +2763,7 @@
           <p:cNvPr id="2" name="标题占位符 1">
             <a:extLst>
               <a:ext uri="{FF2B5EF4-FFF2-40B4-BE49-F238E27FC236}">
-                <a16:creationId xmlns:a16="http://schemas.microsoft.com/office/drawing/2014/main" id="{D751FEFB-3DCF-3D35-F179-3C543097A5F0}"/>
+                <a16:creationId xmlns:a16="http://schemas.microsoft.com/office/drawing/2014/main" id="{86F0983B-BEAF-0257-0C3A-195AFE041C7B}"/>
               </a:ext>
             </a:extLst>
           </p:cNvPr>
@@ -2801,7 +2801,7 @@
           <p:cNvPr id="3" name="文本占位符 2">
             <a:extLst>
               <a:ext uri="{FF2B5EF4-FFF2-40B4-BE49-F238E27FC236}">
-                <a16:creationId xmlns:a16="http://schemas.microsoft.com/office/drawing/2014/main" id="{B8709B82-E847-A595-C29A-D99A4255D533}"/>
+                <a16:creationId xmlns:a16="http://schemas.microsoft.com/office/drawing/2014/main" id="{8984EA05-AB0B-E758-32B9-0178A64A3983}"/>
               </a:ext>
             </a:extLst>
           </p:cNvPr>
@@ -2868,7 +2868,7 @@
           <p:cNvPr id="4" name="日期占位符 3">
             <a:extLst>
               <a:ext uri="{FF2B5EF4-FFF2-40B4-BE49-F238E27FC236}">
-                <a16:creationId xmlns:a16="http://schemas.microsoft.com/office/drawing/2014/main" id="{5E2FDB41-F755-D5B8-0FF7-F64DC833536E}"/>
+                <a16:creationId xmlns:a16="http://schemas.microsoft.com/office/drawing/2014/main" id="{77D3EFF9-6751-F356-C203-9C0A62DAC1BE}"/>
               </a:ext>
             </a:extLst>
           </p:cNvPr>
@@ -2902,7 +2902,7 @@
             </a:lvl1pPr>
           </a:lstStyle>
           <a:p>
-            <a:fld id="{734A9F9E-F411-4D84-9B20-FBE84E16C011}" type="datetimeFigureOut">
+            <a:fld id="{9E5074AC-46EB-4DD8-895A-9E3957843033}" type="datetimeFigureOut">
               <a:rPr lang="zh-CN" altLang="en-US" smtClean="0"/>
               <a:t>2024/3/10</a:t>
             </a:fld>
@@ -2915,7 +2915,7 @@
           <p:cNvPr id="5" name="页脚占位符 4">
             <a:extLst>
               <a:ext uri="{FF2B5EF4-FFF2-40B4-BE49-F238E27FC236}">
-                <a16:creationId xmlns:a16="http://schemas.microsoft.com/office/drawing/2014/main" id="{4E1A916B-77CB-DFCF-7B85-E5B811ECA227}"/>
+                <a16:creationId xmlns:a16="http://schemas.microsoft.com/office/drawing/2014/main" id="{FDE61D08-F24C-0DAB-D965-32FD971CFEF3}"/>
               </a:ext>
             </a:extLst>
           </p:cNvPr>
@@ -2958,7 +2958,7 @@
           <p:cNvPr id="6" name="灯片编号占位符 5">
             <a:extLst>
               <a:ext uri="{FF2B5EF4-FFF2-40B4-BE49-F238E27FC236}">
-                <a16:creationId xmlns:a16="http://schemas.microsoft.com/office/drawing/2014/main" id="{05871C96-0C25-6410-5244-1346861E2894}"/>
+                <a16:creationId xmlns:a16="http://schemas.microsoft.com/office/drawing/2014/main" id="{B4BFEA54-32D6-20CF-2B70-2518AB872D74}"/>
               </a:ext>
             </a:extLst>
           </p:cNvPr>
@@ -2992,7 +2992,7 @@
             </a:lvl1pPr>
           </a:lstStyle>
           <a:p>
-            <a:fld id="{19677BD0-D6DC-4164-B6E5-ED5995BAEDE8}" type="slidenum">
+            <a:fld id="{E3F84034-E6DA-40E9-AEE0-C78DE46A6C12}" type="slidenum">
               <a:rPr lang="zh-CN" altLang="en-US" smtClean="0"/>
               <a:t>‹#›</a:t>
             </a:fld>
@@ -3003,7 +3003,7 @@
     </p:spTree>
     <p:extLst>
       <p:ext uri="{BB962C8B-B14F-4D97-AF65-F5344CB8AC3E}">
-        <p14:creationId xmlns:p14="http://schemas.microsoft.com/office/powerpoint/2010/main" val="1776145201"/>
+        <p14:creationId xmlns:p14="http://schemas.microsoft.com/office/powerpoint/2010/main" val="3357008657"/>
       </p:ext>
     </p:extLst>
   </p:cSld>
